--- a/poster.pptx
+++ b/poster.pptx
@@ -267,7 +267,7 @@
         <p:nvSpPr>
           <p:cNvPr id="150532" name="Rectangle 4"/>
           <p:cNvSpPr>
-            <a:spLocks noRot="1" noChangeArrowheads="1" noTextEdit="1"/>
+            <a:spLocks noGrp="1" noRot="1" noChangeAspect="1" noChangeArrowheads="1" noTextEdit="1"/>
           </p:cNvSpPr>
           <p:nvPr>
             <p:ph type="sldImg" idx="2"/>
@@ -634,7 +634,7 @@
         <p:nvSpPr>
           <p:cNvPr id="151554" name="Rectangle 2"/>
           <p:cNvSpPr>
-            <a:spLocks noRot="1" noChangeArrowheads="1" noTextEdit="1"/>
+            <a:spLocks noGrp="1" noRot="1" noChangeAspect="1" noChangeArrowheads="1" noTextEdit="1"/>
           </p:cNvSpPr>
           <p:nvPr>
             <p:ph type="sldImg"/>
@@ -8257,7 +8257,7 @@
                   <a:srgbClr val="F8F8F8"/>
                 </a:solidFill>
               </a:rPr>
-              <a:t>Software and Firmware</a:t>
+              <a:t>Block Diagram</a:t>
             </a:r>
             <a:endParaRPr lang="en-US" sz="3400" b="1" dirty="0">
               <a:solidFill>
@@ -8697,7 +8697,7 @@
         </p:nvGraphicFramePr>
         <p:xfrm>
           <a:off x="33737550" y="22319672"/>
-          <a:ext cx="8801100" cy="9306862"/>
+          <a:ext cx="8801100" cy="9691164"/>
         </p:xfrm>
         <a:graphic>
           <a:graphicData uri="http://schemas.openxmlformats.org/drawingml/2006/table">
@@ -14518,6 +14518,739 @@
               <a:rPr lang="en-US" dirty="0"/>
               <a:t>Finally after the etch resist is applied the copper substrate is subjected to warm ferric chloride. This causes any unmasked copper to be removed, leaving behind only the initially desired traces. </a:t>
             </a:r>
+          </a:p>
+        </p:txBody>
+      </p:sp>
+      <p:sp>
+        <p:nvSpPr>
+          <p:cNvPr id="32" name="Rectangle 31"/>
+          <p:cNvSpPr/>
+          <p:nvPr/>
+        </p:nvSpPr>
+        <p:spPr bwMode="auto">
+          <a:xfrm>
+            <a:off x="35877061" y="11818885"/>
+            <a:ext cx="4477407" cy="1815882"/>
+          </a:xfrm>
+          <a:prstGeom prst="rect">
+            <a:avLst/>
+          </a:prstGeom>
+          <a:ln>
+            <a:headEnd type="none" w="med" len="med"/>
+            <a:tailEnd type="none" w="med" len="med"/>
+          </a:ln>
+        </p:spPr>
+        <p:style>
+          <a:lnRef idx="1">
+            <a:schemeClr val="accent6"/>
+          </a:lnRef>
+          <a:fillRef idx="2">
+            <a:schemeClr val="accent6"/>
+          </a:fillRef>
+          <a:effectRef idx="1">
+            <a:schemeClr val="accent6"/>
+          </a:effectRef>
+          <a:fontRef idx="minor">
+            <a:schemeClr val="dk1"/>
+          </a:fontRef>
+        </p:style>
+        <p:txBody>
+          <a:bodyPr vert="horz" wrap="square" lIns="457200" tIns="457200" rIns="457200" bIns="457200" numCol="1" rtlCol="0" anchor="t" anchorCtr="0" compatLnSpc="1">
+            <a:prstTxWarp prst="textNoShape">
+              <a:avLst/>
+            </a:prstTxWarp>
+            <a:spAutoFit/>
+          </a:bodyPr>
+          <a:lstStyle/>
+          <a:p>
+            <a:pPr marL="0" marR="0" indent="0" algn="ctr" defTabSz="4389438" rtl="0" eaLnBrk="1" fontAlgn="base" latinLnBrk="0" hangingPunct="1">
+              <a:lnSpc>
+                <a:spcPct val="100000"/>
+              </a:lnSpc>
+              <a:spcBef>
+                <a:spcPct val="0"/>
+              </a:spcBef>
+              <a:spcAft>
+                <a:spcPct val="0"/>
+              </a:spcAft>
+              <a:buClrTx/>
+              <a:buSzTx/>
+              <a:buFontTx/>
+              <a:buNone/>
+              <a:tabLst/>
+            </a:pPr>
+            <a:r>
+              <a:rPr lang="en-US" dirty="0" smtClean="0"/>
+              <a:t>Android Communication </a:t>
+            </a:r>
+            <a:endParaRPr kumimoji="0" lang="en-US" sz="2900" b="0" i="0" u="none" strike="noStrike" cap="none" normalizeH="0" baseline="0" dirty="0" smtClean="0">
+              <a:ln>
+                <a:noFill/>
+              </a:ln>
+              <a:solidFill>
+                <a:schemeClr val="tx1"/>
+              </a:solidFill>
+              <a:effectLst/>
+              <a:latin typeface="Arial Narrow" pitchFamily="34" charset="0"/>
+            </a:endParaRPr>
+          </a:p>
+        </p:txBody>
+      </p:sp>
+      <p:sp>
+        <p:nvSpPr>
+          <p:cNvPr id="33" name="Rectangle 32"/>
+          <p:cNvSpPr/>
+          <p:nvPr/>
+        </p:nvSpPr>
+        <p:spPr bwMode="auto">
+          <a:xfrm>
+            <a:off x="35903338" y="13863149"/>
+            <a:ext cx="4477407" cy="1369606"/>
+          </a:xfrm>
+          <a:prstGeom prst="rect">
+            <a:avLst/>
+          </a:prstGeom>
+          <a:ln>
+            <a:headEnd type="none" w="med" len="med"/>
+            <a:tailEnd type="none" w="med" len="med"/>
+          </a:ln>
+        </p:spPr>
+        <p:style>
+          <a:lnRef idx="1">
+            <a:schemeClr val="accent6"/>
+          </a:lnRef>
+          <a:fillRef idx="2">
+            <a:schemeClr val="accent6"/>
+          </a:fillRef>
+          <a:effectRef idx="1">
+            <a:schemeClr val="accent6"/>
+          </a:effectRef>
+          <a:fontRef idx="minor">
+            <a:schemeClr val="dk1"/>
+          </a:fontRef>
+        </p:style>
+        <p:txBody>
+          <a:bodyPr vert="horz" wrap="square" lIns="457200" tIns="457200" rIns="457200" bIns="457200" numCol="1" rtlCol="0" anchor="t" anchorCtr="0" compatLnSpc="1">
+            <a:prstTxWarp prst="textNoShape">
+              <a:avLst/>
+            </a:prstTxWarp>
+            <a:spAutoFit/>
+          </a:bodyPr>
+          <a:lstStyle/>
+          <a:p>
+            <a:pPr marL="0" marR="0" indent="0" algn="ctr" defTabSz="4389438" rtl="0" eaLnBrk="1" fontAlgn="base" latinLnBrk="0" hangingPunct="1">
+              <a:lnSpc>
+                <a:spcPct val="100000"/>
+              </a:lnSpc>
+              <a:spcBef>
+                <a:spcPct val="0"/>
+              </a:spcBef>
+              <a:spcAft>
+                <a:spcPct val="0"/>
+              </a:spcAft>
+              <a:buClrTx/>
+              <a:buSzTx/>
+              <a:buFontTx/>
+              <a:buNone/>
+              <a:tabLst/>
+            </a:pPr>
+            <a:r>
+              <a:rPr lang="en-US" dirty="0" smtClean="0"/>
+              <a:t>Network Stack</a:t>
+            </a:r>
+            <a:endParaRPr kumimoji="0" lang="en-US" sz="2900" b="0" i="0" u="none" strike="noStrike" cap="none" normalizeH="0" baseline="0" dirty="0" smtClean="0">
+              <a:ln>
+                <a:noFill/>
+              </a:ln>
+              <a:solidFill>
+                <a:schemeClr val="tx1"/>
+              </a:solidFill>
+              <a:effectLst/>
+              <a:latin typeface="Arial Narrow" pitchFamily="34" charset="0"/>
+            </a:endParaRPr>
+          </a:p>
+        </p:txBody>
+      </p:sp>
+      <p:cxnSp>
+        <p:nvCxnSpPr>
+          <p:cNvPr id="35" name="Shape 34"/>
+          <p:cNvCxnSpPr/>
+          <p:nvPr/>
+        </p:nvCxnSpPr>
+        <p:spPr bwMode="auto">
+          <a:xfrm rot="5400000">
+            <a:off x="33839687" y="7668928"/>
+            <a:ext cx="1499719" cy="2333296"/>
+          </a:xfrm>
+          <a:prstGeom prst="bentConnector2">
+            <a:avLst/>
+          </a:prstGeom>
+          <a:noFill/>
+          <a:ln w="9525" cap="flat" cmpd="sng" algn="ctr">
+            <a:noFill/>
+            <a:prstDash val="solid"/>
+            <a:round/>
+            <a:headEnd type="none" w="med" len="med"/>
+            <a:tailEnd type="arrow"/>
+          </a:ln>
+          <a:effectLst/>
+        </p:spPr>
+      </p:cxnSp>
+      <p:sp>
+        <p:nvSpPr>
+          <p:cNvPr id="39" name="Rectangle 38"/>
+          <p:cNvSpPr/>
+          <p:nvPr/>
+        </p:nvSpPr>
+        <p:spPr bwMode="auto">
+          <a:xfrm>
+            <a:off x="35898082" y="9727323"/>
+            <a:ext cx="4477407" cy="1815882"/>
+          </a:xfrm>
+          <a:prstGeom prst="rect">
+            <a:avLst/>
+          </a:prstGeom>
+          <a:ln>
+            <a:headEnd type="none" w="med" len="med"/>
+            <a:tailEnd type="none" w="med" len="med"/>
+          </a:ln>
+        </p:spPr>
+        <p:style>
+          <a:lnRef idx="1">
+            <a:schemeClr val="accent6"/>
+          </a:lnRef>
+          <a:fillRef idx="2">
+            <a:schemeClr val="accent6"/>
+          </a:fillRef>
+          <a:effectRef idx="1">
+            <a:schemeClr val="accent6"/>
+          </a:effectRef>
+          <a:fontRef idx="minor">
+            <a:schemeClr val="dk1"/>
+          </a:fontRef>
+        </p:style>
+        <p:txBody>
+          <a:bodyPr vert="horz" wrap="square" lIns="457200" tIns="457200" rIns="457200" bIns="457200" numCol="1" rtlCol="0" anchor="t" anchorCtr="0" compatLnSpc="1">
+            <a:prstTxWarp prst="textNoShape">
+              <a:avLst/>
+            </a:prstTxWarp>
+            <a:spAutoFit/>
+          </a:bodyPr>
+          <a:lstStyle/>
+          <a:p>
+            <a:pPr marL="0" marR="0" indent="0" algn="ctr" defTabSz="4389438" rtl="0" eaLnBrk="1" fontAlgn="base" latinLnBrk="0" hangingPunct="1">
+              <a:lnSpc>
+                <a:spcPct val="100000"/>
+              </a:lnSpc>
+              <a:spcBef>
+                <a:spcPct val="0"/>
+              </a:spcBef>
+              <a:spcAft>
+                <a:spcPct val="0"/>
+              </a:spcAft>
+              <a:buClrTx/>
+              <a:buSzTx/>
+              <a:buFontTx/>
+              <a:buNone/>
+              <a:tabLst/>
+            </a:pPr>
+            <a:r>
+              <a:rPr lang="en-US" dirty="0" err="1" smtClean="0"/>
+              <a:t>Pololu</a:t>
+            </a:r>
+            <a:r>
+              <a:rPr lang="en-US" dirty="0" smtClean="0"/>
+              <a:t> Serial Communication</a:t>
+            </a:r>
+            <a:endParaRPr kumimoji="0" lang="en-US" sz="2900" b="0" i="0" u="none" strike="noStrike" cap="none" normalizeH="0" baseline="0" dirty="0" smtClean="0">
+              <a:ln>
+                <a:noFill/>
+              </a:ln>
+              <a:solidFill>
+                <a:schemeClr val="tx1"/>
+              </a:solidFill>
+              <a:effectLst/>
+              <a:latin typeface="Arial Narrow" pitchFamily="34" charset="0"/>
+            </a:endParaRPr>
+          </a:p>
+        </p:txBody>
+      </p:sp>
+      <p:sp>
+        <p:nvSpPr>
+          <p:cNvPr id="40" name="Rectangle 39"/>
+          <p:cNvSpPr/>
+          <p:nvPr/>
+        </p:nvSpPr>
+        <p:spPr bwMode="auto">
+          <a:xfrm>
+            <a:off x="35835021" y="6542689"/>
+            <a:ext cx="4477407" cy="1369606"/>
+          </a:xfrm>
+          <a:prstGeom prst="rect">
+            <a:avLst/>
+          </a:prstGeom>
+          <a:gradFill flip="none" rotWithShape="1">
+            <a:gsLst>
+              <a:gs pos="0">
+                <a:srgbClr val="FF9933">
+                  <a:tint val="66000"/>
+                  <a:satMod val="160000"/>
+                </a:srgbClr>
+              </a:gs>
+              <a:gs pos="50000">
+                <a:srgbClr val="FF9933">
+                  <a:tint val="44500"/>
+                  <a:satMod val="160000"/>
+                </a:srgbClr>
+              </a:gs>
+              <a:gs pos="100000">
+                <a:srgbClr val="FF9933">
+                  <a:tint val="23500"/>
+                  <a:satMod val="160000"/>
+                </a:srgbClr>
+              </a:gs>
+            </a:gsLst>
+            <a:lin ang="16200000" scaled="1"/>
+            <a:tileRect/>
+          </a:gradFill>
+          <a:ln>
+            <a:headEnd type="none" w="med" len="med"/>
+            <a:tailEnd type="none" w="med" len="med"/>
+          </a:ln>
+        </p:spPr>
+        <p:style>
+          <a:lnRef idx="1">
+            <a:schemeClr val="accent6"/>
+          </a:lnRef>
+          <a:fillRef idx="2">
+            <a:schemeClr val="accent6"/>
+          </a:fillRef>
+          <a:effectRef idx="1">
+            <a:schemeClr val="accent6"/>
+          </a:effectRef>
+          <a:fontRef idx="minor">
+            <a:schemeClr val="dk1"/>
+          </a:fontRef>
+        </p:style>
+        <p:txBody>
+          <a:bodyPr vert="horz" wrap="square" lIns="457200" tIns="457200" rIns="457200" bIns="457200" numCol="1" rtlCol="0" anchor="t" anchorCtr="0" compatLnSpc="1">
+            <a:prstTxWarp prst="textNoShape">
+              <a:avLst/>
+            </a:prstTxWarp>
+            <a:spAutoFit/>
+          </a:bodyPr>
+          <a:lstStyle/>
+          <a:p>
+            <a:pPr marL="0" marR="0" indent="0" algn="ctr" defTabSz="4389438" rtl="0" eaLnBrk="1" fontAlgn="base" latinLnBrk="0" hangingPunct="1">
+              <a:lnSpc>
+                <a:spcPct val="100000"/>
+              </a:lnSpc>
+              <a:spcBef>
+                <a:spcPct val="0"/>
+              </a:spcBef>
+              <a:spcAft>
+                <a:spcPct val="0"/>
+              </a:spcAft>
+              <a:buClrTx/>
+              <a:buSzTx/>
+              <a:buFontTx/>
+              <a:buNone/>
+              <a:tabLst/>
+            </a:pPr>
+            <a:r>
+              <a:rPr lang="en-US" dirty="0" smtClean="0"/>
+              <a:t>Servos</a:t>
+            </a:r>
+            <a:endParaRPr kumimoji="0" lang="en-US" sz="2900" b="0" i="0" u="none" strike="noStrike" cap="none" normalizeH="0" baseline="0" dirty="0" smtClean="0">
+              <a:ln>
+                <a:noFill/>
+              </a:ln>
+              <a:solidFill>
+                <a:schemeClr val="tx1"/>
+              </a:solidFill>
+              <a:effectLst/>
+              <a:latin typeface="Arial Narrow" pitchFamily="34" charset="0"/>
+            </a:endParaRPr>
+          </a:p>
+        </p:txBody>
+      </p:sp>
+      <p:sp>
+        <p:nvSpPr>
+          <p:cNvPr id="41" name="Rectangle 40"/>
+          <p:cNvSpPr/>
+          <p:nvPr/>
+        </p:nvSpPr>
+        <p:spPr bwMode="auto">
+          <a:xfrm>
+            <a:off x="35861297" y="8113986"/>
+            <a:ext cx="4477407" cy="1369606"/>
+          </a:xfrm>
+          <a:prstGeom prst="rect">
+            <a:avLst/>
+          </a:prstGeom>
+          <a:gradFill flip="none" rotWithShape="1">
+            <a:gsLst>
+              <a:gs pos="0">
+                <a:srgbClr val="FF9933">
+                  <a:tint val="66000"/>
+                  <a:satMod val="160000"/>
+                </a:srgbClr>
+              </a:gs>
+              <a:gs pos="50000">
+                <a:srgbClr val="FF9933">
+                  <a:tint val="44500"/>
+                  <a:satMod val="160000"/>
+                </a:srgbClr>
+              </a:gs>
+              <a:gs pos="100000">
+                <a:srgbClr val="FF9933">
+                  <a:tint val="23500"/>
+                  <a:satMod val="160000"/>
+                </a:srgbClr>
+              </a:gs>
+            </a:gsLst>
+            <a:lin ang="16200000" scaled="1"/>
+            <a:tileRect/>
+          </a:gradFill>
+          <a:ln>
+            <a:headEnd type="none" w="med" len="med"/>
+            <a:tailEnd type="none" w="med" len="med"/>
+          </a:ln>
+        </p:spPr>
+        <p:style>
+          <a:lnRef idx="1">
+            <a:schemeClr val="accent6"/>
+          </a:lnRef>
+          <a:fillRef idx="2">
+            <a:schemeClr val="accent6"/>
+          </a:fillRef>
+          <a:effectRef idx="1">
+            <a:schemeClr val="accent6"/>
+          </a:effectRef>
+          <a:fontRef idx="minor">
+            <a:schemeClr val="dk1"/>
+          </a:fontRef>
+        </p:style>
+        <p:txBody>
+          <a:bodyPr vert="horz" wrap="square" lIns="457200" tIns="457200" rIns="457200" bIns="457200" numCol="1" rtlCol="0" anchor="t" anchorCtr="0" compatLnSpc="1">
+            <a:prstTxWarp prst="textNoShape">
+              <a:avLst/>
+            </a:prstTxWarp>
+            <a:spAutoFit/>
+          </a:bodyPr>
+          <a:lstStyle/>
+          <a:p>
+            <a:pPr marL="0" marR="0" indent="0" algn="ctr" defTabSz="4389438" rtl="0" eaLnBrk="1" fontAlgn="base" latinLnBrk="0" hangingPunct="1">
+              <a:lnSpc>
+                <a:spcPct val="100000"/>
+              </a:lnSpc>
+              <a:spcBef>
+                <a:spcPct val="0"/>
+              </a:spcBef>
+              <a:spcAft>
+                <a:spcPct val="0"/>
+              </a:spcAft>
+              <a:buClrTx/>
+              <a:buSzTx/>
+              <a:buFontTx/>
+              <a:buNone/>
+              <a:tabLst/>
+            </a:pPr>
+            <a:r>
+              <a:rPr lang="en-US" dirty="0" err="1" smtClean="0"/>
+              <a:t>Pololu</a:t>
+            </a:r>
+            <a:r>
+              <a:rPr lang="en-US" dirty="0" smtClean="0"/>
+              <a:t> Module</a:t>
+            </a:r>
+            <a:endParaRPr kumimoji="0" lang="en-US" sz="2900" b="0" i="0" u="none" strike="noStrike" cap="none" normalizeH="0" baseline="0" dirty="0" smtClean="0">
+              <a:ln>
+                <a:noFill/>
+              </a:ln>
+              <a:solidFill>
+                <a:schemeClr val="tx1"/>
+              </a:solidFill>
+              <a:effectLst/>
+              <a:latin typeface="Arial Narrow" pitchFamily="34" charset="0"/>
+            </a:endParaRPr>
+          </a:p>
+        </p:txBody>
+      </p:sp>
+      <p:sp>
+        <p:nvSpPr>
+          <p:cNvPr id="42" name="Rectangle 41"/>
+          <p:cNvSpPr/>
+          <p:nvPr/>
+        </p:nvSpPr>
+        <p:spPr bwMode="auto">
+          <a:xfrm>
+            <a:off x="35924359" y="19149850"/>
+            <a:ext cx="4477407" cy="1369606"/>
+          </a:xfrm>
+          <a:prstGeom prst="rect">
+            <a:avLst/>
+          </a:prstGeom>
+          <a:gradFill flip="none" rotWithShape="1">
+            <a:gsLst>
+              <a:gs pos="0">
+                <a:srgbClr val="FF9933">
+                  <a:tint val="66000"/>
+                  <a:satMod val="160000"/>
+                </a:srgbClr>
+              </a:gs>
+              <a:gs pos="50000">
+                <a:srgbClr val="FF9933">
+                  <a:tint val="44500"/>
+                  <a:satMod val="160000"/>
+                </a:srgbClr>
+              </a:gs>
+              <a:gs pos="100000">
+                <a:srgbClr val="FF9933">
+                  <a:tint val="23500"/>
+                  <a:satMod val="160000"/>
+                </a:srgbClr>
+              </a:gs>
+            </a:gsLst>
+            <a:lin ang="16200000" scaled="1"/>
+            <a:tileRect/>
+          </a:gradFill>
+          <a:ln>
+            <a:headEnd type="none" w="med" len="med"/>
+            <a:tailEnd type="none" w="med" len="med"/>
+          </a:ln>
+        </p:spPr>
+        <p:style>
+          <a:lnRef idx="1">
+            <a:schemeClr val="accent6"/>
+          </a:lnRef>
+          <a:fillRef idx="2">
+            <a:schemeClr val="accent6"/>
+          </a:fillRef>
+          <a:effectRef idx="1">
+            <a:schemeClr val="accent6"/>
+          </a:effectRef>
+          <a:fontRef idx="minor">
+            <a:schemeClr val="dk1"/>
+          </a:fontRef>
+        </p:style>
+        <p:txBody>
+          <a:bodyPr vert="horz" wrap="square" lIns="457200" tIns="457200" rIns="457200" bIns="457200" numCol="1" rtlCol="0" anchor="t" anchorCtr="0" compatLnSpc="1">
+            <a:prstTxWarp prst="textNoShape">
+              <a:avLst/>
+            </a:prstTxWarp>
+            <a:spAutoFit/>
+          </a:bodyPr>
+          <a:lstStyle/>
+          <a:p>
+            <a:pPr marL="0" marR="0" indent="0" algn="ctr" defTabSz="4389438" rtl="0" eaLnBrk="1" fontAlgn="base" latinLnBrk="0" hangingPunct="1">
+              <a:lnSpc>
+                <a:spcPct val="100000"/>
+              </a:lnSpc>
+              <a:spcBef>
+                <a:spcPct val="0"/>
+              </a:spcBef>
+              <a:spcAft>
+                <a:spcPct val="0"/>
+              </a:spcAft>
+              <a:buClrTx/>
+              <a:buSzTx/>
+              <a:buFontTx/>
+              <a:buNone/>
+              <a:tabLst/>
+            </a:pPr>
+            <a:r>
+              <a:rPr lang="en-US" dirty="0" smtClean="0"/>
+              <a:t>ENC28J60</a:t>
+            </a:r>
+            <a:endParaRPr kumimoji="0" lang="en-US" sz="2900" b="0" i="0" u="none" strike="noStrike" cap="none" normalizeH="0" baseline="0" dirty="0" smtClean="0">
+              <a:ln>
+                <a:noFill/>
+              </a:ln>
+              <a:solidFill>
+                <a:schemeClr val="tx1"/>
+              </a:solidFill>
+              <a:effectLst/>
+              <a:latin typeface="Arial Narrow" pitchFamily="34" charset="0"/>
+            </a:endParaRPr>
+          </a:p>
+        </p:txBody>
+      </p:sp>
+      <p:sp>
+        <p:nvSpPr>
+          <p:cNvPr id="43" name="Rectangle 42"/>
+          <p:cNvSpPr/>
+          <p:nvPr/>
+        </p:nvSpPr>
+        <p:spPr bwMode="auto">
+          <a:xfrm>
+            <a:off x="35919104" y="15518525"/>
+            <a:ext cx="4477407" cy="1369606"/>
+          </a:xfrm>
+          <a:prstGeom prst="rect">
+            <a:avLst/>
+          </a:prstGeom>
+          <a:gradFill flip="none" rotWithShape="1">
+            <a:gsLst>
+              <a:gs pos="0">
+                <a:srgbClr val="FF9933">
+                  <a:tint val="66000"/>
+                  <a:satMod val="160000"/>
+                </a:srgbClr>
+              </a:gs>
+              <a:gs pos="50000">
+                <a:srgbClr val="FF9933">
+                  <a:tint val="44500"/>
+                  <a:satMod val="160000"/>
+                </a:srgbClr>
+              </a:gs>
+              <a:gs pos="100000">
+                <a:srgbClr val="FF9933">
+                  <a:tint val="23500"/>
+                  <a:satMod val="160000"/>
+                </a:srgbClr>
+              </a:gs>
+            </a:gsLst>
+            <a:lin ang="16200000" scaled="1"/>
+            <a:tileRect/>
+          </a:gradFill>
+          <a:ln>
+            <a:headEnd type="none" w="med" len="med"/>
+            <a:tailEnd type="none" w="med" len="med"/>
+          </a:ln>
+        </p:spPr>
+        <p:style>
+          <a:lnRef idx="1">
+            <a:schemeClr val="accent6"/>
+          </a:lnRef>
+          <a:fillRef idx="2">
+            <a:schemeClr val="accent6"/>
+          </a:fillRef>
+          <a:effectRef idx="1">
+            <a:schemeClr val="accent6"/>
+          </a:effectRef>
+          <a:fontRef idx="minor">
+            <a:schemeClr val="dk1"/>
+          </a:fontRef>
+        </p:style>
+        <p:txBody>
+          <a:bodyPr vert="horz" wrap="square" lIns="457200" tIns="457200" rIns="457200" bIns="457200" numCol="1" rtlCol="0" anchor="t" anchorCtr="0" compatLnSpc="1">
+            <a:prstTxWarp prst="textNoShape">
+              <a:avLst/>
+            </a:prstTxWarp>
+            <a:spAutoFit/>
+          </a:bodyPr>
+          <a:lstStyle/>
+          <a:p>
+            <a:pPr marL="0" marR="0" indent="0" algn="ctr" defTabSz="4389438" rtl="0" eaLnBrk="1" fontAlgn="base" latinLnBrk="0" hangingPunct="1">
+              <a:lnSpc>
+                <a:spcPct val="100000"/>
+              </a:lnSpc>
+              <a:spcBef>
+                <a:spcPct val="0"/>
+              </a:spcBef>
+              <a:spcAft>
+                <a:spcPct val="0"/>
+              </a:spcAft>
+              <a:buClrTx/>
+              <a:buSzTx/>
+              <a:buFontTx/>
+              <a:buNone/>
+              <a:tabLst/>
+            </a:pPr>
+            <a:r>
+              <a:rPr lang="en-US" dirty="0" err="1" smtClean="0"/>
+              <a:t>Pic</a:t>
+            </a:r>
+            <a:r>
+              <a:rPr lang="en-US" dirty="0" smtClean="0"/>
+              <a:t> 24FJ64GA002</a:t>
+            </a:r>
+            <a:endParaRPr kumimoji="0" lang="en-US" sz="2900" b="0" i="0" u="none" strike="noStrike" cap="none" normalizeH="0" baseline="0" dirty="0" smtClean="0">
+              <a:ln>
+                <a:noFill/>
+              </a:ln>
+              <a:solidFill>
+                <a:schemeClr val="tx1"/>
+              </a:solidFill>
+              <a:effectLst/>
+              <a:latin typeface="Arial Narrow" pitchFamily="34" charset="0"/>
+            </a:endParaRPr>
+          </a:p>
+        </p:txBody>
+      </p:sp>
+      <p:sp>
+        <p:nvSpPr>
+          <p:cNvPr id="53" name="Rectangle 52"/>
+          <p:cNvSpPr/>
+          <p:nvPr/>
+        </p:nvSpPr>
+        <p:spPr bwMode="auto">
+          <a:xfrm>
+            <a:off x="35898083" y="17137121"/>
+            <a:ext cx="4477407" cy="1815882"/>
+          </a:xfrm>
+          <a:prstGeom prst="rect">
+            <a:avLst/>
+          </a:prstGeom>
+          <a:ln>
+            <a:headEnd type="none" w="med" len="med"/>
+            <a:tailEnd type="none" w="med" len="med"/>
+          </a:ln>
+        </p:spPr>
+        <p:style>
+          <a:lnRef idx="1">
+            <a:schemeClr val="accent6"/>
+          </a:lnRef>
+          <a:fillRef idx="2">
+            <a:schemeClr val="accent6"/>
+          </a:fillRef>
+          <a:effectRef idx="1">
+            <a:schemeClr val="accent6"/>
+          </a:effectRef>
+          <a:fontRef idx="minor">
+            <a:schemeClr val="dk1"/>
+          </a:fontRef>
+        </p:style>
+        <p:txBody>
+          <a:bodyPr vert="horz" wrap="square" lIns="457200" tIns="457200" rIns="457200" bIns="457200" numCol="1" rtlCol="0" anchor="t" anchorCtr="0" compatLnSpc="1">
+            <a:prstTxWarp prst="textNoShape">
+              <a:avLst/>
+            </a:prstTxWarp>
+            <a:spAutoFit/>
+          </a:bodyPr>
+          <a:lstStyle/>
+          <a:p>
+            <a:pPr marL="0" marR="0" indent="0" algn="ctr" defTabSz="4389438" rtl="0" eaLnBrk="1" fontAlgn="base" latinLnBrk="0" hangingPunct="1">
+              <a:lnSpc>
+                <a:spcPct val="100000"/>
+              </a:lnSpc>
+              <a:spcBef>
+                <a:spcPct val="0"/>
+              </a:spcBef>
+              <a:spcAft>
+                <a:spcPct val="0"/>
+              </a:spcAft>
+              <a:buClrTx/>
+              <a:buSzTx/>
+              <a:buFontTx/>
+              <a:buNone/>
+              <a:tabLst/>
+            </a:pPr>
+            <a:r>
+              <a:rPr lang="en-US" dirty="0" smtClean="0"/>
+              <a:t>ENC28J60 Driver Stack</a:t>
+            </a:r>
+            <a:endParaRPr kumimoji="0" lang="en-US" sz="2900" b="0" i="0" u="none" strike="noStrike" cap="none" normalizeH="0" baseline="0" dirty="0" smtClean="0">
+              <a:ln>
+                <a:noFill/>
+              </a:ln>
+              <a:solidFill>
+                <a:schemeClr val="tx1"/>
+              </a:solidFill>
+              <a:effectLst/>
+              <a:latin typeface="Arial Narrow" pitchFamily="34" charset="0"/>
+            </a:endParaRPr>
           </a:p>
         </p:txBody>
       </p:sp>
